--- a/ppt 16-9/0745.我宁愿失去.pptx
+++ b/ppt 16-9/0745.我宁愿失去.pptx
@@ -129,7 +129,7 @@
           <p:cNvPr id="2" name="标题 1">
             <a:extLst>
               <a:ext uri="{FF2B5EF4-FFF2-40B4-BE49-F238E27FC236}">
-                <a16:creationId xmlns:a16="http://schemas.microsoft.com/office/drawing/2014/main" id="{16426835-F26E-B43E-C7B6-C055FD025C9E}"/>
+                <a16:creationId xmlns:a16="http://schemas.microsoft.com/office/drawing/2014/main" id="{A26E686D-A610-240E-DF47-668F2C9B8321}"/>
               </a:ext>
             </a:extLst>
           </p:cNvPr>
@@ -166,7 +166,7 @@
           <p:cNvPr id="3" name="副标题 2">
             <a:extLst>
               <a:ext uri="{FF2B5EF4-FFF2-40B4-BE49-F238E27FC236}">
-                <a16:creationId xmlns:a16="http://schemas.microsoft.com/office/drawing/2014/main" id="{4ABDFAA0-C802-A7EA-5423-F0D44077B745}"/>
+                <a16:creationId xmlns:a16="http://schemas.microsoft.com/office/drawing/2014/main" id="{A9BB5071-0B0A-EC3B-A64B-280ECDC958DE}"/>
               </a:ext>
             </a:extLst>
           </p:cNvPr>
@@ -236,7 +236,7 @@
           <p:cNvPr id="4" name="日期占位符 3">
             <a:extLst>
               <a:ext uri="{FF2B5EF4-FFF2-40B4-BE49-F238E27FC236}">
-                <a16:creationId xmlns:a16="http://schemas.microsoft.com/office/drawing/2014/main" id="{E97C283B-BF41-3911-5B7D-2A41CAC7360D}"/>
+                <a16:creationId xmlns:a16="http://schemas.microsoft.com/office/drawing/2014/main" id="{38BDC432-C1A9-2A4A-E08D-7E90FE4E35E4}"/>
               </a:ext>
             </a:extLst>
           </p:cNvPr>
@@ -252,7 +252,7 @@
           <a:bodyPr/>
           <a:lstStyle/>
           <a:p>
-            <a:fld id="{45E1F216-63BE-48C6-B92E-D8CC7CEA16CE}" type="datetimeFigureOut">
+            <a:fld id="{31E6F9B8-F774-4BE3-83F2-88B3B1D8DEB9}" type="datetimeFigureOut">
               <a:rPr lang="zh-CN" altLang="en-US" smtClean="0"/>
               <a:t>2024/3/10</a:t>
             </a:fld>
@@ -265,7 +265,7 @@
           <p:cNvPr id="5" name="页脚占位符 4">
             <a:extLst>
               <a:ext uri="{FF2B5EF4-FFF2-40B4-BE49-F238E27FC236}">
-                <a16:creationId xmlns:a16="http://schemas.microsoft.com/office/drawing/2014/main" id="{9F6185C8-6C53-12A8-7B9A-856032722FCE}"/>
+                <a16:creationId xmlns:a16="http://schemas.microsoft.com/office/drawing/2014/main" id="{9507BC96-1F63-10B1-8534-DD8701553347}"/>
               </a:ext>
             </a:extLst>
           </p:cNvPr>
@@ -290,7 +290,7 @@
           <p:cNvPr id="6" name="灯片编号占位符 5">
             <a:extLst>
               <a:ext uri="{FF2B5EF4-FFF2-40B4-BE49-F238E27FC236}">
-                <a16:creationId xmlns:a16="http://schemas.microsoft.com/office/drawing/2014/main" id="{83E43778-A305-966E-F0B5-C0CEF241B96B}"/>
+                <a16:creationId xmlns:a16="http://schemas.microsoft.com/office/drawing/2014/main" id="{E067F960-2504-3C67-7ED8-26708ED513F8}"/>
               </a:ext>
             </a:extLst>
           </p:cNvPr>
@@ -306,7 +306,7 @@
           <a:bodyPr/>
           <a:lstStyle/>
           <a:p>
-            <a:fld id="{8EEEBD2C-6BC5-4303-84E7-BF580BF894B5}" type="slidenum">
+            <a:fld id="{C984B072-DC40-40C8-A81B-A4B29CE3F93E}" type="slidenum">
               <a:rPr lang="zh-CN" altLang="en-US" smtClean="0"/>
               <a:t>‹#›</a:t>
             </a:fld>
@@ -317,7 +317,7 @@
     </p:spTree>
     <p:extLst>
       <p:ext uri="{BB962C8B-B14F-4D97-AF65-F5344CB8AC3E}">
-        <p14:creationId xmlns:p14="http://schemas.microsoft.com/office/powerpoint/2010/main" val="1902247297"/>
+        <p14:creationId xmlns:p14="http://schemas.microsoft.com/office/powerpoint/2010/main" val="2255323780"/>
       </p:ext>
     </p:extLst>
   </p:cSld>
@@ -349,7 +349,7 @@
           <p:cNvPr id="2" name="标题 1">
             <a:extLst>
               <a:ext uri="{FF2B5EF4-FFF2-40B4-BE49-F238E27FC236}">
-                <a16:creationId xmlns:a16="http://schemas.microsoft.com/office/drawing/2014/main" id="{3585F932-4C08-B772-9A32-51BE9D27FAF4}"/>
+                <a16:creationId xmlns:a16="http://schemas.microsoft.com/office/drawing/2014/main" id="{DC6F3954-0CC0-7F0C-2E5F-BA671666C483}"/>
               </a:ext>
             </a:extLst>
           </p:cNvPr>
@@ -377,7 +377,7 @@
           <p:cNvPr id="3" name="竖排文字占位符 2">
             <a:extLst>
               <a:ext uri="{FF2B5EF4-FFF2-40B4-BE49-F238E27FC236}">
-                <a16:creationId xmlns:a16="http://schemas.microsoft.com/office/drawing/2014/main" id="{D6B996E3-7A67-8FC4-CC43-563DE8D5BA4F}"/>
+                <a16:creationId xmlns:a16="http://schemas.microsoft.com/office/drawing/2014/main" id="{648DD3C8-6983-A664-6C57-0846A520E6AD}"/>
               </a:ext>
             </a:extLst>
           </p:cNvPr>
@@ -434,7 +434,7 @@
           <p:cNvPr id="4" name="日期占位符 3">
             <a:extLst>
               <a:ext uri="{FF2B5EF4-FFF2-40B4-BE49-F238E27FC236}">
-                <a16:creationId xmlns:a16="http://schemas.microsoft.com/office/drawing/2014/main" id="{944F223C-5CB7-F4F0-C5EB-3EECAF9577B1}"/>
+                <a16:creationId xmlns:a16="http://schemas.microsoft.com/office/drawing/2014/main" id="{999998C9-D778-FB62-302B-443C77FED002}"/>
               </a:ext>
             </a:extLst>
           </p:cNvPr>
@@ -450,7 +450,7 @@
           <a:bodyPr/>
           <a:lstStyle/>
           <a:p>
-            <a:fld id="{45E1F216-63BE-48C6-B92E-D8CC7CEA16CE}" type="datetimeFigureOut">
+            <a:fld id="{31E6F9B8-F774-4BE3-83F2-88B3B1D8DEB9}" type="datetimeFigureOut">
               <a:rPr lang="zh-CN" altLang="en-US" smtClean="0"/>
               <a:t>2024/3/10</a:t>
             </a:fld>
@@ -463,7 +463,7 @@
           <p:cNvPr id="5" name="页脚占位符 4">
             <a:extLst>
               <a:ext uri="{FF2B5EF4-FFF2-40B4-BE49-F238E27FC236}">
-                <a16:creationId xmlns:a16="http://schemas.microsoft.com/office/drawing/2014/main" id="{1E3689B7-0469-5F18-44CA-9DDD6DE80E19}"/>
+                <a16:creationId xmlns:a16="http://schemas.microsoft.com/office/drawing/2014/main" id="{214E4695-6CE3-4E17-CFBE-11443E54458E}"/>
               </a:ext>
             </a:extLst>
           </p:cNvPr>
@@ -488,7 +488,7 @@
           <p:cNvPr id="6" name="灯片编号占位符 5">
             <a:extLst>
               <a:ext uri="{FF2B5EF4-FFF2-40B4-BE49-F238E27FC236}">
-                <a16:creationId xmlns:a16="http://schemas.microsoft.com/office/drawing/2014/main" id="{52DAB27C-850C-EC88-FA78-745740FF926E}"/>
+                <a16:creationId xmlns:a16="http://schemas.microsoft.com/office/drawing/2014/main" id="{F3142B77-5113-3B7E-28D0-CD8A00BE70B7}"/>
               </a:ext>
             </a:extLst>
           </p:cNvPr>
@@ -504,7 +504,7 @@
           <a:bodyPr/>
           <a:lstStyle/>
           <a:p>
-            <a:fld id="{8EEEBD2C-6BC5-4303-84E7-BF580BF894B5}" type="slidenum">
+            <a:fld id="{C984B072-DC40-40C8-A81B-A4B29CE3F93E}" type="slidenum">
               <a:rPr lang="zh-CN" altLang="en-US" smtClean="0"/>
               <a:t>‹#›</a:t>
             </a:fld>
@@ -515,7 +515,7 @@
     </p:spTree>
     <p:extLst>
       <p:ext uri="{BB962C8B-B14F-4D97-AF65-F5344CB8AC3E}">
-        <p14:creationId xmlns:p14="http://schemas.microsoft.com/office/powerpoint/2010/main" val="3654265483"/>
+        <p14:creationId xmlns:p14="http://schemas.microsoft.com/office/powerpoint/2010/main" val="2409826220"/>
       </p:ext>
     </p:extLst>
   </p:cSld>
@@ -547,7 +547,7 @@
           <p:cNvPr id="2" name="竖排标题 1">
             <a:extLst>
               <a:ext uri="{FF2B5EF4-FFF2-40B4-BE49-F238E27FC236}">
-                <a16:creationId xmlns:a16="http://schemas.microsoft.com/office/drawing/2014/main" id="{C8736F8D-B150-6CF3-2D10-277BBEC824C3}"/>
+                <a16:creationId xmlns:a16="http://schemas.microsoft.com/office/drawing/2014/main" id="{6FB7D746-AE69-97CF-CA3B-8BD4C748AE1C}"/>
               </a:ext>
             </a:extLst>
           </p:cNvPr>
@@ -580,7 +580,7 @@
           <p:cNvPr id="3" name="竖排文字占位符 2">
             <a:extLst>
               <a:ext uri="{FF2B5EF4-FFF2-40B4-BE49-F238E27FC236}">
-                <a16:creationId xmlns:a16="http://schemas.microsoft.com/office/drawing/2014/main" id="{BA0E2711-2129-C93B-651B-AE2D335BA370}"/>
+                <a16:creationId xmlns:a16="http://schemas.microsoft.com/office/drawing/2014/main" id="{C7A3BF30-9506-9D34-B2EE-5DF35C954B49}"/>
               </a:ext>
             </a:extLst>
           </p:cNvPr>
@@ -642,7 +642,7 @@
           <p:cNvPr id="4" name="日期占位符 3">
             <a:extLst>
               <a:ext uri="{FF2B5EF4-FFF2-40B4-BE49-F238E27FC236}">
-                <a16:creationId xmlns:a16="http://schemas.microsoft.com/office/drawing/2014/main" id="{C557239A-81B6-0737-635D-18BCFC1EF838}"/>
+                <a16:creationId xmlns:a16="http://schemas.microsoft.com/office/drawing/2014/main" id="{8BC68D8F-C731-54A5-172B-27A6E71F4EC0}"/>
               </a:ext>
             </a:extLst>
           </p:cNvPr>
@@ -658,7 +658,7 @@
           <a:bodyPr/>
           <a:lstStyle/>
           <a:p>
-            <a:fld id="{45E1F216-63BE-48C6-B92E-D8CC7CEA16CE}" type="datetimeFigureOut">
+            <a:fld id="{31E6F9B8-F774-4BE3-83F2-88B3B1D8DEB9}" type="datetimeFigureOut">
               <a:rPr lang="zh-CN" altLang="en-US" smtClean="0"/>
               <a:t>2024/3/10</a:t>
             </a:fld>
@@ -671,7 +671,7 @@
           <p:cNvPr id="5" name="页脚占位符 4">
             <a:extLst>
               <a:ext uri="{FF2B5EF4-FFF2-40B4-BE49-F238E27FC236}">
-                <a16:creationId xmlns:a16="http://schemas.microsoft.com/office/drawing/2014/main" id="{07E6DE6E-09EE-0180-C8CE-9B2B99DDBDA9}"/>
+                <a16:creationId xmlns:a16="http://schemas.microsoft.com/office/drawing/2014/main" id="{E3C8E036-DD96-8794-4984-D9DF3ECACBD4}"/>
               </a:ext>
             </a:extLst>
           </p:cNvPr>
@@ -696,7 +696,7 @@
           <p:cNvPr id="6" name="灯片编号占位符 5">
             <a:extLst>
               <a:ext uri="{FF2B5EF4-FFF2-40B4-BE49-F238E27FC236}">
-                <a16:creationId xmlns:a16="http://schemas.microsoft.com/office/drawing/2014/main" id="{98E142DF-7FE0-F52F-747B-1476A39C063F}"/>
+                <a16:creationId xmlns:a16="http://schemas.microsoft.com/office/drawing/2014/main" id="{55EE9A8F-A1B5-1073-92C2-2A799498E74D}"/>
               </a:ext>
             </a:extLst>
           </p:cNvPr>
@@ -712,7 +712,7 @@
           <a:bodyPr/>
           <a:lstStyle/>
           <a:p>
-            <a:fld id="{8EEEBD2C-6BC5-4303-84E7-BF580BF894B5}" type="slidenum">
+            <a:fld id="{C984B072-DC40-40C8-A81B-A4B29CE3F93E}" type="slidenum">
               <a:rPr lang="zh-CN" altLang="en-US" smtClean="0"/>
               <a:t>‹#›</a:t>
             </a:fld>
@@ -723,7 +723,7 @@
     </p:spTree>
     <p:extLst>
       <p:ext uri="{BB962C8B-B14F-4D97-AF65-F5344CB8AC3E}">
-        <p14:creationId xmlns:p14="http://schemas.microsoft.com/office/powerpoint/2010/main" val="1442119180"/>
+        <p14:creationId xmlns:p14="http://schemas.microsoft.com/office/powerpoint/2010/main" val="835758207"/>
       </p:ext>
     </p:extLst>
   </p:cSld>
@@ -755,7 +755,7 @@
           <p:cNvPr id="2" name="标题 1">
             <a:extLst>
               <a:ext uri="{FF2B5EF4-FFF2-40B4-BE49-F238E27FC236}">
-                <a16:creationId xmlns:a16="http://schemas.microsoft.com/office/drawing/2014/main" id="{DBB2DD05-A699-D849-C1B9-00428C55AB96}"/>
+                <a16:creationId xmlns:a16="http://schemas.microsoft.com/office/drawing/2014/main" id="{896A9DB4-C191-179C-CC98-10344212439F}"/>
               </a:ext>
             </a:extLst>
           </p:cNvPr>
@@ -783,7 +783,7 @@
           <p:cNvPr id="3" name="内容占位符 2">
             <a:extLst>
               <a:ext uri="{FF2B5EF4-FFF2-40B4-BE49-F238E27FC236}">
-                <a16:creationId xmlns:a16="http://schemas.microsoft.com/office/drawing/2014/main" id="{466DAF04-CF86-94D8-698F-4756507A93D0}"/>
+                <a16:creationId xmlns:a16="http://schemas.microsoft.com/office/drawing/2014/main" id="{B1FA3330-09BF-CF63-DF67-C45763813197}"/>
               </a:ext>
             </a:extLst>
           </p:cNvPr>
@@ -840,7 +840,7 @@
           <p:cNvPr id="4" name="日期占位符 3">
             <a:extLst>
               <a:ext uri="{FF2B5EF4-FFF2-40B4-BE49-F238E27FC236}">
-                <a16:creationId xmlns:a16="http://schemas.microsoft.com/office/drawing/2014/main" id="{5F3F4381-8596-BDF9-4C85-1D48AF89F16A}"/>
+                <a16:creationId xmlns:a16="http://schemas.microsoft.com/office/drawing/2014/main" id="{1BE50E43-EF12-0EA5-FE25-7988F25B6E89}"/>
               </a:ext>
             </a:extLst>
           </p:cNvPr>
@@ -856,7 +856,7 @@
           <a:bodyPr/>
           <a:lstStyle/>
           <a:p>
-            <a:fld id="{45E1F216-63BE-48C6-B92E-D8CC7CEA16CE}" type="datetimeFigureOut">
+            <a:fld id="{31E6F9B8-F774-4BE3-83F2-88B3B1D8DEB9}" type="datetimeFigureOut">
               <a:rPr lang="zh-CN" altLang="en-US" smtClean="0"/>
               <a:t>2024/3/10</a:t>
             </a:fld>
@@ -869,7 +869,7 @@
           <p:cNvPr id="5" name="页脚占位符 4">
             <a:extLst>
               <a:ext uri="{FF2B5EF4-FFF2-40B4-BE49-F238E27FC236}">
-                <a16:creationId xmlns:a16="http://schemas.microsoft.com/office/drawing/2014/main" id="{995C5240-AB98-E7BE-E7A2-9DAEC5F7221B}"/>
+                <a16:creationId xmlns:a16="http://schemas.microsoft.com/office/drawing/2014/main" id="{74C703D6-52B2-2600-9DF8-DB6A20871616}"/>
               </a:ext>
             </a:extLst>
           </p:cNvPr>
@@ -894,7 +894,7 @@
           <p:cNvPr id="6" name="灯片编号占位符 5">
             <a:extLst>
               <a:ext uri="{FF2B5EF4-FFF2-40B4-BE49-F238E27FC236}">
-                <a16:creationId xmlns:a16="http://schemas.microsoft.com/office/drawing/2014/main" id="{A0175FD4-C677-5D69-CD4B-2F82D4DA5F9D}"/>
+                <a16:creationId xmlns:a16="http://schemas.microsoft.com/office/drawing/2014/main" id="{2B296996-FDAB-C18B-8FD8-D912233D3824}"/>
               </a:ext>
             </a:extLst>
           </p:cNvPr>
@@ -910,7 +910,7 @@
           <a:bodyPr/>
           <a:lstStyle/>
           <a:p>
-            <a:fld id="{8EEEBD2C-6BC5-4303-84E7-BF580BF894B5}" type="slidenum">
+            <a:fld id="{C984B072-DC40-40C8-A81B-A4B29CE3F93E}" type="slidenum">
               <a:rPr lang="zh-CN" altLang="en-US" smtClean="0"/>
               <a:t>‹#›</a:t>
             </a:fld>
@@ -921,7 +921,7 @@
     </p:spTree>
     <p:extLst>
       <p:ext uri="{BB962C8B-B14F-4D97-AF65-F5344CB8AC3E}">
-        <p14:creationId xmlns:p14="http://schemas.microsoft.com/office/powerpoint/2010/main" val="2661642592"/>
+        <p14:creationId xmlns:p14="http://schemas.microsoft.com/office/powerpoint/2010/main" val="4235316249"/>
       </p:ext>
     </p:extLst>
   </p:cSld>
@@ -953,7 +953,7 @@
           <p:cNvPr id="2" name="标题 1">
             <a:extLst>
               <a:ext uri="{FF2B5EF4-FFF2-40B4-BE49-F238E27FC236}">
-                <a16:creationId xmlns:a16="http://schemas.microsoft.com/office/drawing/2014/main" id="{3AE2586E-DE8C-5AE7-4E7A-6579070A7DCE}"/>
+                <a16:creationId xmlns:a16="http://schemas.microsoft.com/office/drawing/2014/main" id="{88084DB2-92FF-8D3D-77F8-6BC32AD3323E}"/>
               </a:ext>
             </a:extLst>
           </p:cNvPr>
@@ -990,7 +990,7 @@
           <p:cNvPr id="3" name="文本占位符 2">
             <a:extLst>
               <a:ext uri="{FF2B5EF4-FFF2-40B4-BE49-F238E27FC236}">
-                <a16:creationId xmlns:a16="http://schemas.microsoft.com/office/drawing/2014/main" id="{BA96272A-6735-94D6-C83D-8998F2848C62}"/>
+                <a16:creationId xmlns:a16="http://schemas.microsoft.com/office/drawing/2014/main" id="{CFDEBEB3-1B38-B731-7F1E-5E6372A91541}"/>
               </a:ext>
             </a:extLst>
           </p:cNvPr>
@@ -1115,7 +1115,7 @@
           <p:cNvPr id="4" name="日期占位符 3">
             <a:extLst>
               <a:ext uri="{FF2B5EF4-FFF2-40B4-BE49-F238E27FC236}">
-                <a16:creationId xmlns:a16="http://schemas.microsoft.com/office/drawing/2014/main" id="{3B0DA574-735E-B734-27FC-2D601F9DF314}"/>
+                <a16:creationId xmlns:a16="http://schemas.microsoft.com/office/drawing/2014/main" id="{7B72E38A-23F5-5FCA-B14C-728734DF6220}"/>
               </a:ext>
             </a:extLst>
           </p:cNvPr>
@@ -1131,7 +1131,7 @@
           <a:bodyPr/>
           <a:lstStyle/>
           <a:p>
-            <a:fld id="{45E1F216-63BE-48C6-B92E-D8CC7CEA16CE}" type="datetimeFigureOut">
+            <a:fld id="{31E6F9B8-F774-4BE3-83F2-88B3B1D8DEB9}" type="datetimeFigureOut">
               <a:rPr lang="zh-CN" altLang="en-US" smtClean="0"/>
               <a:t>2024/3/10</a:t>
             </a:fld>
@@ -1144,7 +1144,7 @@
           <p:cNvPr id="5" name="页脚占位符 4">
             <a:extLst>
               <a:ext uri="{FF2B5EF4-FFF2-40B4-BE49-F238E27FC236}">
-                <a16:creationId xmlns:a16="http://schemas.microsoft.com/office/drawing/2014/main" id="{3A56E3D6-FDD7-6E96-0477-200CEBB7560A}"/>
+                <a16:creationId xmlns:a16="http://schemas.microsoft.com/office/drawing/2014/main" id="{8F247C24-5440-4AEA-6060-BF639D81D29B}"/>
               </a:ext>
             </a:extLst>
           </p:cNvPr>
@@ -1169,7 +1169,7 @@
           <p:cNvPr id="6" name="灯片编号占位符 5">
             <a:extLst>
               <a:ext uri="{FF2B5EF4-FFF2-40B4-BE49-F238E27FC236}">
-                <a16:creationId xmlns:a16="http://schemas.microsoft.com/office/drawing/2014/main" id="{81B520F5-8B74-8A17-6324-E82455473E15}"/>
+                <a16:creationId xmlns:a16="http://schemas.microsoft.com/office/drawing/2014/main" id="{9AEAA8F5-6634-3E4B-E4E1-99F8A5536491}"/>
               </a:ext>
             </a:extLst>
           </p:cNvPr>
@@ -1185,7 +1185,7 @@
           <a:bodyPr/>
           <a:lstStyle/>
           <a:p>
-            <a:fld id="{8EEEBD2C-6BC5-4303-84E7-BF580BF894B5}" type="slidenum">
+            <a:fld id="{C984B072-DC40-40C8-A81B-A4B29CE3F93E}" type="slidenum">
               <a:rPr lang="zh-CN" altLang="en-US" smtClean="0"/>
               <a:t>‹#›</a:t>
             </a:fld>
@@ -1196,7 +1196,7 @@
     </p:spTree>
     <p:extLst>
       <p:ext uri="{BB962C8B-B14F-4D97-AF65-F5344CB8AC3E}">
-        <p14:creationId xmlns:p14="http://schemas.microsoft.com/office/powerpoint/2010/main" val="1794901031"/>
+        <p14:creationId xmlns:p14="http://schemas.microsoft.com/office/powerpoint/2010/main" val="2646930765"/>
       </p:ext>
     </p:extLst>
   </p:cSld>
@@ -1228,7 +1228,7 @@
           <p:cNvPr id="2" name="标题 1">
             <a:extLst>
               <a:ext uri="{FF2B5EF4-FFF2-40B4-BE49-F238E27FC236}">
-                <a16:creationId xmlns:a16="http://schemas.microsoft.com/office/drawing/2014/main" id="{FF6A3314-995D-B2C4-4D1D-5F5ED4155C4A}"/>
+                <a16:creationId xmlns:a16="http://schemas.microsoft.com/office/drawing/2014/main" id="{9D4D2AF2-2A9A-A3E7-3117-FB6795D7AB08}"/>
               </a:ext>
             </a:extLst>
           </p:cNvPr>
@@ -1256,7 +1256,7 @@
           <p:cNvPr id="3" name="内容占位符 2">
             <a:extLst>
               <a:ext uri="{FF2B5EF4-FFF2-40B4-BE49-F238E27FC236}">
-                <a16:creationId xmlns:a16="http://schemas.microsoft.com/office/drawing/2014/main" id="{78A2C28F-8AF6-8CC8-CF18-15C40E3EC0E6}"/>
+                <a16:creationId xmlns:a16="http://schemas.microsoft.com/office/drawing/2014/main" id="{563D8F5F-9AB4-D55F-0A75-E39CAF1D1FFB}"/>
               </a:ext>
             </a:extLst>
           </p:cNvPr>
@@ -1318,7 +1318,7 @@
           <p:cNvPr id="4" name="内容占位符 3">
             <a:extLst>
               <a:ext uri="{FF2B5EF4-FFF2-40B4-BE49-F238E27FC236}">
-                <a16:creationId xmlns:a16="http://schemas.microsoft.com/office/drawing/2014/main" id="{B4A4ACFF-9FD9-AC27-E6AC-E590D88B3BB1}"/>
+                <a16:creationId xmlns:a16="http://schemas.microsoft.com/office/drawing/2014/main" id="{2ED44EBA-27B9-FED1-1D47-440DF8C155CB}"/>
               </a:ext>
             </a:extLst>
           </p:cNvPr>
@@ -1380,7 +1380,7 @@
           <p:cNvPr id="5" name="日期占位符 4">
             <a:extLst>
               <a:ext uri="{FF2B5EF4-FFF2-40B4-BE49-F238E27FC236}">
-                <a16:creationId xmlns:a16="http://schemas.microsoft.com/office/drawing/2014/main" id="{D1657311-8C7A-C53E-680E-2FE5A72EB6BD}"/>
+                <a16:creationId xmlns:a16="http://schemas.microsoft.com/office/drawing/2014/main" id="{656E764A-491E-A2E6-7021-3602629AA5B6}"/>
               </a:ext>
             </a:extLst>
           </p:cNvPr>
@@ -1396,7 +1396,7 @@
           <a:bodyPr/>
           <a:lstStyle/>
           <a:p>
-            <a:fld id="{45E1F216-63BE-48C6-B92E-D8CC7CEA16CE}" type="datetimeFigureOut">
+            <a:fld id="{31E6F9B8-F774-4BE3-83F2-88B3B1D8DEB9}" type="datetimeFigureOut">
               <a:rPr lang="zh-CN" altLang="en-US" smtClean="0"/>
               <a:t>2024/3/10</a:t>
             </a:fld>
@@ -1409,7 +1409,7 @@
           <p:cNvPr id="6" name="页脚占位符 5">
             <a:extLst>
               <a:ext uri="{FF2B5EF4-FFF2-40B4-BE49-F238E27FC236}">
-                <a16:creationId xmlns:a16="http://schemas.microsoft.com/office/drawing/2014/main" id="{30336A11-A218-7E7E-FE4D-CB0BC3AB4341}"/>
+                <a16:creationId xmlns:a16="http://schemas.microsoft.com/office/drawing/2014/main" id="{D40B1DC4-9B6B-ECB3-7FAE-CD1A5441B177}"/>
               </a:ext>
             </a:extLst>
           </p:cNvPr>
@@ -1434,7 +1434,7 @@
           <p:cNvPr id="7" name="灯片编号占位符 6">
             <a:extLst>
               <a:ext uri="{FF2B5EF4-FFF2-40B4-BE49-F238E27FC236}">
-                <a16:creationId xmlns:a16="http://schemas.microsoft.com/office/drawing/2014/main" id="{3C463E20-3807-7712-C530-FF65AE0A043E}"/>
+                <a16:creationId xmlns:a16="http://schemas.microsoft.com/office/drawing/2014/main" id="{69C80DD2-507F-D527-020C-87EAA1344044}"/>
               </a:ext>
             </a:extLst>
           </p:cNvPr>
@@ -1450,7 +1450,7 @@
           <a:bodyPr/>
           <a:lstStyle/>
           <a:p>
-            <a:fld id="{8EEEBD2C-6BC5-4303-84E7-BF580BF894B5}" type="slidenum">
+            <a:fld id="{C984B072-DC40-40C8-A81B-A4B29CE3F93E}" type="slidenum">
               <a:rPr lang="zh-CN" altLang="en-US" smtClean="0"/>
               <a:t>‹#›</a:t>
             </a:fld>
@@ -1461,7 +1461,7 @@
     </p:spTree>
     <p:extLst>
       <p:ext uri="{BB962C8B-B14F-4D97-AF65-F5344CB8AC3E}">
-        <p14:creationId xmlns:p14="http://schemas.microsoft.com/office/powerpoint/2010/main" val="3657630589"/>
+        <p14:creationId xmlns:p14="http://schemas.microsoft.com/office/powerpoint/2010/main" val="1119045633"/>
       </p:ext>
     </p:extLst>
   </p:cSld>
@@ -1493,7 +1493,7 @@
           <p:cNvPr id="2" name="标题 1">
             <a:extLst>
               <a:ext uri="{FF2B5EF4-FFF2-40B4-BE49-F238E27FC236}">
-                <a16:creationId xmlns:a16="http://schemas.microsoft.com/office/drawing/2014/main" id="{C236A420-A5F5-2B82-6124-F3794292EA19}"/>
+                <a16:creationId xmlns:a16="http://schemas.microsoft.com/office/drawing/2014/main" id="{0A30A0F6-E3B5-28C1-E351-04461C6016B6}"/>
               </a:ext>
             </a:extLst>
           </p:cNvPr>
@@ -1526,7 +1526,7 @@
           <p:cNvPr id="3" name="文本占位符 2">
             <a:extLst>
               <a:ext uri="{FF2B5EF4-FFF2-40B4-BE49-F238E27FC236}">
-                <a16:creationId xmlns:a16="http://schemas.microsoft.com/office/drawing/2014/main" id="{E24D9152-DF38-48A8-2193-CF7F780ECF6B}"/>
+                <a16:creationId xmlns:a16="http://schemas.microsoft.com/office/drawing/2014/main" id="{42B846E6-CAB6-6263-580E-4BC8BFEBD49F}"/>
               </a:ext>
             </a:extLst>
           </p:cNvPr>
@@ -1597,7 +1597,7 @@
           <p:cNvPr id="4" name="内容占位符 3">
             <a:extLst>
               <a:ext uri="{FF2B5EF4-FFF2-40B4-BE49-F238E27FC236}">
-                <a16:creationId xmlns:a16="http://schemas.microsoft.com/office/drawing/2014/main" id="{E6DD6B51-3750-7109-5A30-140136809FAD}"/>
+                <a16:creationId xmlns:a16="http://schemas.microsoft.com/office/drawing/2014/main" id="{378B019E-37B9-0F5B-CD54-C83FC146D3A0}"/>
               </a:ext>
             </a:extLst>
           </p:cNvPr>
@@ -1659,7 +1659,7 @@
           <p:cNvPr id="5" name="文本占位符 4">
             <a:extLst>
               <a:ext uri="{FF2B5EF4-FFF2-40B4-BE49-F238E27FC236}">
-                <a16:creationId xmlns:a16="http://schemas.microsoft.com/office/drawing/2014/main" id="{71C94D3B-3AC5-DAF0-DC45-93CFB6E2C1F4}"/>
+                <a16:creationId xmlns:a16="http://schemas.microsoft.com/office/drawing/2014/main" id="{5BC7CDF2-0689-1C8F-33C7-504E4818E642}"/>
               </a:ext>
             </a:extLst>
           </p:cNvPr>
@@ -1730,7 +1730,7 @@
           <p:cNvPr id="6" name="内容占位符 5">
             <a:extLst>
               <a:ext uri="{FF2B5EF4-FFF2-40B4-BE49-F238E27FC236}">
-                <a16:creationId xmlns:a16="http://schemas.microsoft.com/office/drawing/2014/main" id="{9203ED3A-05D1-1073-6B17-772EB3C51B17}"/>
+                <a16:creationId xmlns:a16="http://schemas.microsoft.com/office/drawing/2014/main" id="{2D2D9716-25DB-466F-F776-7E1C305B2A7E}"/>
               </a:ext>
             </a:extLst>
           </p:cNvPr>
@@ -1792,7 +1792,7 @@
           <p:cNvPr id="7" name="日期占位符 6">
             <a:extLst>
               <a:ext uri="{FF2B5EF4-FFF2-40B4-BE49-F238E27FC236}">
-                <a16:creationId xmlns:a16="http://schemas.microsoft.com/office/drawing/2014/main" id="{963474C5-C85C-2337-A1C4-0823158A3AE9}"/>
+                <a16:creationId xmlns:a16="http://schemas.microsoft.com/office/drawing/2014/main" id="{1DC32514-2A78-4BC5-8601-2D9019EC5613}"/>
               </a:ext>
             </a:extLst>
           </p:cNvPr>
@@ -1808,7 +1808,7 @@
           <a:bodyPr/>
           <a:lstStyle/>
           <a:p>
-            <a:fld id="{45E1F216-63BE-48C6-B92E-D8CC7CEA16CE}" type="datetimeFigureOut">
+            <a:fld id="{31E6F9B8-F774-4BE3-83F2-88B3B1D8DEB9}" type="datetimeFigureOut">
               <a:rPr lang="zh-CN" altLang="en-US" smtClean="0"/>
               <a:t>2024/3/10</a:t>
             </a:fld>
@@ -1821,7 +1821,7 @@
           <p:cNvPr id="8" name="页脚占位符 7">
             <a:extLst>
               <a:ext uri="{FF2B5EF4-FFF2-40B4-BE49-F238E27FC236}">
-                <a16:creationId xmlns:a16="http://schemas.microsoft.com/office/drawing/2014/main" id="{B8865E56-3235-B218-2C10-763E7DCBA957}"/>
+                <a16:creationId xmlns:a16="http://schemas.microsoft.com/office/drawing/2014/main" id="{F8D3FE29-4F4C-BD1C-41CB-E3CF63B0B455}"/>
               </a:ext>
             </a:extLst>
           </p:cNvPr>
@@ -1846,7 +1846,7 @@
           <p:cNvPr id="9" name="灯片编号占位符 8">
             <a:extLst>
               <a:ext uri="{FF2B5EF4-FFF2-40B4-BE49-F238E27FC236}">
-                <a16:creationId xmlns:a16="http://schemas.microsoft.com/office/drawing/2014/main" id="{1180CBCC-84F4-EF76-D82B-2465ED17B3E7}"/>
+                <a16:creationId xmlns:a16="http://schemas.microsoft.com/office/drawing/2014/main" id="{B067F9E9-5C91-9063-7CD7-1C4EFB0BA4F3}"/>
               </a:ext>
             </a:extLst>
           </p:cNvPr>
@@ -1862,7 +1862,7 @@
           <a:bodyPr/>
           <a:lstStyle/>
           <a:p>
-            <a:fld id="{8EEEBD2C-6BC5-4303-84E7-BF580BF894B5}" type="slidenum">
+            <a:fld id="{C984B072-DC40-40C8-A81B-A4B29CE3F93E}" type="slidenum">
               <a:rPr lang="zh-CN" altLang="en-US" smtClean="0"/>
               <a:t>‹#›</a:t>
             </a:fld>
@@ -1873,7 +1873,7 @@
     </p:spTree>
     <p:extLst>
       <p:ext uri="{BB962C8B-B14F-4D97-AF65-F5344CB8AC3E}">
-        <p14:creationId xmlns:p14="http://schemas.microsoft.com/office/powerpoint/2010/main" val="2931299555"/>
+        <p14:creationId xmlns:p14="http://schemas.microsoft.com/office/powerpoint/2010/main" val="367706600"/>
       </p:ext>
     </p:extLst>
   </p:cSld>
@@ -1905,7 +1905,7 @@
           <p:cNvPr id="2" name="标题 1">
             <a:extLst>
               <a:ext uri="{FF2B5EF4-FFF2-40B4-BE49-F238E27FC236}">
-                <a16:creationId xmlns:a16="http://schemas.microsoft.com/office/drawing/2014/main" id="{47551293-362E-37E8-0B56-E7B685D67872}"/>
+                <a16:creationId xmlns:a16="http://schemas.microsoft.com/office/drawing/2014/main" id="{55B67BFF-BE8F-ABD3-0D46-91CC3D3033B3}"/>
               </a:ext>
             </a:extLst>
           </p:cNvPr>
@@ -1933,7 +1933,7 @@
           <p:cNvPr id="3" name="日期占位符 2">
             <a:extLst>
               <a:ext uri="{FF2B5EF4-FFF2-40B4-BE49-F238E27FC236}">
-                <a16:creationId xmlns:a16="http://schemas.microsoft.com/office/drawing/2014/main" id="{A51B17B0-3CAE-AE6E-B7E4-627B68DE809C}"/>
+                <a16:creationId xmlns:a16="http://schemas.microsoft.com/office/drawing/2014/main" id="{FF4E0D78-884D-CB06-2062-B5ED28B3B9B2}"/>
               </a:ext>
             </a:extLst>
           </p:cNvPr>
@@ -1949,7 +1949,7 @@
           <a:bodyPr/>
           <a:lstStyle/>
           <a:p>
-            <a:fld id="{45E1F216-63BE-48C6-B92E-D8CC7CEA16CE}" type="datetimeFigureOut">
+            <a:fld id="{31E6F9B8-F774-4BE3-83F2-88B3B1D8DEB9}" type="datetimeFigureOut">
               <a:rPr lang="zh-CN" altLang="en-US" smtClean="0"/>
               <a:t>2024/3/10</a:t>
             </a:fld>
@@ -1962,7 +1962,7 @@
           <p:cNvPr id="4" name="页脚占位符 3">
             <a:extLst>
               <a:ext uri="{FF2B5EF4-FFF2-40B4-BE49-F238E27FC236}">
-                <a16:creationId xmlns:a16="http://schemas.microsoft.com/office/drawing/2014/main" id="{35633C0E-7419-4175-B2BF-03D0EF0F6D0F}"/>
+                <a16:creationId xmlns:a16="http://schemas.microsoft.com/office/drawing/2014/main" id="{B78F06C1-464A-46FE-CB22-5BEF25BC4744}"/>
               </a:ext>
             </a:extLst>
           </p:cNvPr>
@@ -1987,7 +1987,7 @@
           <p:cNvPr id="5" name="灯片编号占位符 4">
             <a:extLst>
               <a:ext uri="{FF2B5EF4-FFF2-40B4-BE49-F238E27FC236}">
-                <a16:creationId xmlns:a16="http://schemas.microsoft.com/office/drawing/2014/main" id="{AD83184E-2317-A24A-C680-C97D627CD111}"/>
+                <a16:creationId xmlns:a16="http://schemas.microsoft.com/office/drawing/2014/main" id="{FB144485-2D30-5BC8-8162-BBAFAB0215F5}"/>
               </a:ext>
             </a:extLst>
           </p:cNvPr>
@@ -2003,7 +2003,7 @@
           <a:bodyPr/>
           <a:lstStyle/>
           <a:p>
-            <a:fld id="{8EEEBD2C-6BC5-4303-84E7-BF580BF894B5}" type="slidenum">
+            <a:fld id="{C984B072-DC40-40C8-A81B-A4B29CE3F93E}" type="slidenum">
               <a:rPr lang="zh-CN" altLang="en-US" smtClean="0"/>
               <a:t>‹#›</a:t>
             </a:fld>
@@ -2014,7 +2014,7 @@
     </p:spTree>
     <p:extLst>
       <p:ext uri="{BB962C8B-B14F-4D97-AF65-F5344CB8AC3E}">
-        <p14:creationId xmlns:p14="http://schemas.microsoft.com/office/powerpoint/2010/main" val="107983464"/>
+        <p14:creationId xmlns:p14="http://schemas.microsoft.com/office/powerpoint/2010/main" val="3168243070"/>
       </p:ext>
     </p:extLst>
   </p:cSld>
@@ -2046,7 +2046,7 @@
           <p:cNvPr id="2" name="日期占位符 1">
             <a:extLst>
               <a:ext uri="{FF2B5EF4-FFF2-40B4-BE49-F238E27FC236}">
-                <a16:creationId xmlns:a16="http://schemas.microsoft.com/office/drawing/2014/main" id="{C20FA86F-93F3-0204-68EE-90EFF78901BF}"/>
+                <a16:creationId xmlns:a16="http://schemas.microsoft.com/office/drawing/2014/main" id="{45E308EB-0C42-3934-06A2-95AD0E0D4EA8}"/>
               </a:ext>
             </a:extLst>
           </p:cNvPr>
@@ -2062,7 +2062,7 @@
           <a:bodyPr/>
           <a:lstStyle/>
           <a:p>
-            <a:fld id="{45E1F216-63BE-48C6-B92E-D8CC7CEA16CE}" type="datetimeFigureOut">
+            <a:fld id="{31E6F9B8-F774-4BE3-83F2-88B3B1D8DEB9}" type="datetimeFigureOut">
               <a:rPr lang="zh-CN" altLang="en-US" smtClean="0"/>
               <a:t>2024/3/10</a:t>
             </a:fld>
@@ -2075,7 +2075,7 @@
           <p:cNvPr id="3" name="页脚占位符 2">
             <a:extLst>
               <a:ext uri="{FF2B5EF4-FFF2-40B4-BE49-F238E27FC236}">
-                <a16:creationId xmlns:a16="http://schemas.microsoft.com/office/drawing/2014/main" id="{A781B26E-E420-610A-8F11-EDFA42A64862}"/>
+                <a16:creationId xmlns:a16="http://schemas.microsoft.com/office/drawing/2014/main" id="{5F306648-0D75-2995-F6AB-6E6DDE9A415C}"/>
               </a:ext>
             </a:extLst>
           </p:cNvPr>
@@ -2100,7 +2100,7 @@
           <p:cNvPr id="4" name="灯片编号占位符 3">
             <a:extLst>
               <a:ext uri="{FF2B5EF4-FFF2-40B4-BE49-F238E27FC236}">
-                <a16:creationId xmlns:a16="http://schemas.microsoft.com/office/drawing/2014/main" id="{74A5499E-B567-8C63-12B4-F4A5E07555D0}"/>
+                <a16:creationId xmlns:a16="http://schemas.microsoft.com/office/drawing/2014/main" id="{E5ADFA3D-C249-87CB-12A3-37D43A307AB4}"/>
               </a:ext>
             </a:extLst>
           </p:cNvPr>
@@ -2116,7 +2116,7 @@
           <a:bodyPr/>
           <a:lstStyle/>
           <a:p>
-            <a:fld id="{8EEEBD2C-6BC5-4303-84E7-BF580BF894B5}" type="slidenum">
+            <a:fld id="{C984B072-DC40-40C8-A81B-A4B29CE3F93E}" type="slidenum">
               <a:rPr lang="zh-CN" altLang="en-US" smtClean="0"/>
               <a:t>‹#›</a:t>
             </a:fld>
@@ -2127,7 +2127,7 @@
     </p:spTree>
     <p:extLst>
       <p:ext uri="{BB962C8B-B14F-4D97-AF65-F5344CB8AC3E}">
-        <p14:creationId xmlns:p14="http://schemas.microsoft.com/office/powerpoint/2010/main" val="1361674830"/>
+        <p14:creationId xmlns:p14="http://schemas.microsoft.com/office/powerpoint/2010/main" val="3485408756"/>
       </p:ext>
     </p:extLst>
   </p:cSld>
@@ -2159,7 +2159,7 @@
           <p:cNvPr id="2" name="标题 1">
             <a:extLst>
               <a:ext uri="{FF2B5EF4-FFF2-40B4-BE49-F238E27FC236}">
-                <a16:creationId xmlns:a16="http://schemas.microsoft.com/office/drawing/2014/main" id="{926892C4-3145-53E5-0CCF-64244F55A055}"/>
+                <a16:creationId xmlns:a16="http://schemas.microsoft.com/office/drawing/2014/main" id="{6CFB031D-37F1-8E7E-BFD7-E747E21E115E}"/>
               </a:ext>
             </a:extLst>
           </p:cNvPr>
@@ -2196,7 +2196,7 @@
           <p:cNvPr id="3" name="内容占位符 2">
             <a:extLst>
               <a:ext uri="{FF2B5EF4-FFF2-40B4-BE49-F238E27FC236}">
-                <a16:creationId xmlns:a16="http://schemas.microsoft.com/office/drawing/2014/main" id="{A1AE1B7F-2CE8-26CC-C908-BF20F7AA803E}"/>
+                <a16:creationId xmlns:a16="http://schemas.microsoft.com/office/drawing/2014/main" id="{69CE084E-6634-777A-9680-0419165D5F4F}"/>
               </a:ext>
             </a:extLst>
           </p:cNvPr>
@@ -2286,7 +2286,7 @@
           <p:cNvPr id="4" name="文本占位符 3">
             <a:extLst>
               <a:ext uri="{FF2B5EF4-FFF2-40B4-BE49-F238E27FC236}">
-                <a16:creationId xmlns:a16="http://schemas.microsoft.com/office/drawing/2014/main" id="{49717D8A-E75A-8AF2-3527-2B4AD0C1A51B}"/>
+                <a16:creationId xmlns:a16="http://schemas.microsoft.com/office/drawing/2014/main" id="{890A1E37-8571-2E2C-8C2A-99EF1DAF7C71}"/>
               </a:ext>
             </a:extLst>
           </p:cNvPr>
@@ -2357,7 +2357,7 @@
           <p:cNvPr id="5" name="日期占位符 4">
             <a:extLst>
               <a:ext uri="{FF2B5EF4-FFF2-40B4-BE49-F238E27FC236}">
-                <a16:creationId xmlns:a16="http://schemas.microsoft.com/office/drawing/2014/main" id="{8B7CAD45-5C12-8346-2C09-87C9DEA6AE7C}"/>
+                <a16:creationId xmlns:a16="http://schemas.microsoft.com/office/drawing/2014/main" id="{F4F91906-33F6-BCF3-81F1-E4FAE5D77ECB}"/>
               </a:ext>
             </a:extLst>
           </p:cNvPr>
@@ -2373,7 +2373,7 @@
           <a:bodyPr/>
           <a:lstStyle/>
           <a:p>
-            <a:fld id="{45E1F216-63BE-48C6-B92E-D8CC7CEA16CE}" type="datetimeFigureOut">
+            <a:fld id="{31E6F9B8-F774-4BE3-83F2-88B3B1D8DEB9}" type="datetimeFigureOut">
               <a:rPr lang="zh-CN" altLang="en-US" smtClean="0"/>
               <a:t>2024/3/10</a:t>
             </a:fld>
@@ -2386,7 +2386,7 @@
           <p:cNvPr id="6" name="页脚占位符 5">
             <a:extLst>
               <a:ext uri="{FF2B5EF4-FFF2-40B4-BE49-F238E27FC236}">
-                <a16:creationId xmlns:a16="http://schemas.microsoft.com/office/drawing/2014/main" id="{838540B8-BF6F-F5E6-5201-FFB6073F3D70}"/>
+                <a16:creationId xmlns:a16="http://schemas.microsoft.com/office/drawing/2014/main" id="{76D0D90C-AC3F-679D-1896-A7B36C7CDB9E}"/>
               </a:ext>
             </a:extLst>
           </p:cNvPr>
@@ -2411,7 +2411,7 @@
           <p:cNvPr id="7" name="灯片编号占位符 6">
             <a:extLst>
               <a:ext uri="{FF2B5EF4-FFF2-40B4-BE49-F238E27FC236}">
-                <a16:creationId xmlns:a16="http://schemas.microsoft.com/office/drawing/2014/main" id="{B7BA21D0-3682-EF02-D00D-FDDAC8176864}"/>
+                <a16:creationId xmlns:a16="http://schemas.microsoft.com/office/drawing/2014/main" id="{7F90FB3A-2975-716B-349F-C6A18667250B}"/>
               </a:ext>
             </a:extLst>
           </p:cNvPr>
@@ -2427,7 +2427,7 @@
           <a:bodyPr/>
           <a:lstStyle/>
           <a:p>
-            <a:fld id="{8EEEBD2C-6BC5-4303-84E7-BF580BF894B5}" type="slidenum">
+            <a:fld id="{C984B072-DC40-40C8-A81B-A4B29CE3F93E}" type="slidenum">
               <a:rPr lang="zh-CN" altLang="en-US" smtClean="0"/>
               <a:t>‹#›</a:t>
             </a:fld>
@@ -2438,7 +2438,7 @@
     </p:spTree>
     <p:extLst>
       <p:ext uri="{BB962C8B-B14F-4D97-AF65-F5344CB8AC3E}">
-        <p14:creationId xmlns:p14="http://schemas.microsoft.com/office/powerpoint/2010/main" val="3409185587"/>
+        <p14:creationId xmlns:p14="http://schemas.microsoft.com/office/powerpoint/2010/main" val="2645141830"/>
       </p:ext>
     </p:extLst>
   </p:cSld>
@@ -2470,7 +2470,7 @@
           <p:cNvPr id="2" name="标题 1">
             <a:extLst>
               <a:ext uri="{FF2B5EF4-FFF2-40B4-BE49-F238E27FC236}">
-                <a16:creationId xmlns:a16="http://schemas.microsoft.com/office/drawing/2014/main" id="{8ECA19D2-8547-2678-E48E-4D046DDEDA99}"/>
+                <a16:creationId xmlns:a16="http://schemas.microsoft.com/office/drawing/2014/main" id="{0C6C2190-9810-3B05-C36F-B373228552FB}"/>
               </a:ext>
             </a:extLst>
           </p:cNvPr>
@@ -2507,7 +2507,7 @@
           <p:cNvPr id="3" name="图片占位符 2">
             <a:extLst>
               <a:ext uri="{FF2B5EF4-FFF2-40B4-BE49-F238E27FC236}">
-                <a16:creationId xmlns:a16="http://schemas.microsoft.com/office/drawing/2014/main" id="{5024B93F-014F-1954-7703-560BEE3D5E91}"/>
+                <a16:creationId xmlns:a16="http://schemas.microsoft.com/office/drawing/2014/main" id="{9F7F1386-BEC1-081C-29F1-CE220A44AABF}"/>
               </a:ext>
             </a:extLst>
           </p:cNvPr>
@@ -2574,7 +2574,7 @@
           <p:cNvPr id="4" name="文本占位符 3">
             <a:extLst>
               <a:ext uri="{FF2B5EF4-FFF2-40B4-BE49-F238E27FC236}">
-                <a16:creationId xmlns:a16="http://schemas.microsoft.com/office/drawing/2014/main" id="{EB7EF11D-EE1B-0770-6D7D-78F7283C0F00}"/>
+                <a16:creationId xmlns:a16="http://schemas.microsoft.com/office/drawing/2014/main" id="{C22BA290-7652-4238-63AA-FE47362483C7}"/>
               </a:ext>
             </a:extLst>
           </p:cNvPr>
@@ -2645,7 +2645,7 @@
           <p:cNvPr id="5" name="日期占位符 4">
             <a:extLst>
               <a:ext uri="{FF2B5EF4-FFF2-40B4-BE49-F238E27FC236}">
-                <a16:creationId xmlns:a16="http://schemas.microsoft.com/office/drawing/2014/main" id="{74B0962F-4C44-A3D4-F971-D822B09E9039}"/>
+                <a16:creationId xmlns:a16="http://schemas.microsoft.com/office/drawing/2014/main" id="{A1399213-784D-EAAB-0730-86F795EA00ED}"/>
               </a:ext>
             </a:extLst>
           </p:cNvPr>
@@ -2661,7 +2661,7 @@
           <a:bodyPr/>
           <a:lstStyle/>
           <a:p>
-            <a:fld id="{45E1F216-63BE-48C6-B92E-D8CC7CEA16CE}" type="datetimeFigureOut">
+            <a:fld id="{31E6F9B8-F774-4BE3-83F2-88B3B1D8DEB9}" type="datetimeFigureOut">
               <a:rPr lang="zh-CN" altLang="en-US" smtClean="0"/>
               <a:t>2024/3/10</a:t>
             </a:fld>
@@ -2674,7 +2674,7 @@
           <p:cNvPr id="6" name="页脚占位符 5">
             <a:extLst>
               <a:ext uri="{FF2B5EF4-FFF2-40B4-BE49-F238E27FC236}">
-                <a16:creationId xmlns:a16="http://schemas.microsoft.com/office/drawing/2014/main" id="{A255343A-53C9-7F9C-2713-BD5504132012}"/>
+                <a16:creationId xmlns:a16="http://schemas.microsoft.com/office/drawing/2014/main" id="{52E8DC2C-CD34-8B89-CA47-9B6D53468CCE}"/>
               </a:ext>
             </a:extLst>
           </p:cNvPr>
@@ -2699,7 +2699,7 @@
           <p:cNvPr id="7" name="灯片编号占位符 6">
             <a:extLst>
               <a:ext uri="{FF2B5EF4-FFF2-40B4-BE49-F238E27FC236}">
-                <a16:creationId xmlns:a16="http://schemas.microsoft.com/office/drawing/2014/main" id="{68088411-E8E5-99F2-0E4E-2D75AFCF021A}"/>
+                <a16:creationId xmlns:a16="http://schemas.microsoft.com/office/drawing/2014/main" id="{6CB5A42D-51E1-F3C8-4920-B1A89169CF35}"/>
               </a:ext>
             </a:extLst>
           </p:cNvPr>
@@ -2715,7 +2715,7 @@
           <a:bodyPr/>
           <a:lstStyle/>
           <a:p>
-            <a:fld id="{8EEEBD2C-6BC5-4303-84E7-BF580BF894B5}" type="slidenum">
+            <a:fld id="{C984B072-DC40-40C8-A81B-A4B29CE3F93E}" type="slidenum">
               <a:rPr lang="zh-CN" altLang="en-US" smtClean="0"/>
               <a:t>‹#›</a:t>
             </a:fld>
@@ -2726,7 +2726,7 @@
     </p:spTree>
     <p:extLst>
       <p:ext uri="{BB962C8B-B14F-4D97-AF65-F5344CB8AC3E}">
-        <p14:creationId xmlns:p14="http://schemas.microsoft.com/office/powerpoint/2010/main" val="2666516359"/>
+        <p14:creationId xmlns:p14="http://schemas.microsoft.com/office/powerpoint/2010/main" val="2313155265"/>
       </p:ext>
     </p:extLst>
   </p:cSld>
@@ -2763,7 +2763,7 @@
           <p:cNvPr id="2" name="标题占位符 1">
             <a:extLst>
               <a:ext uri="{FF2B5EF4-FFF2-40B4-BE49-F238E27FC236}">
-                <a16:creationId xmlns:a16="http://schemas.microsoft.com/office/drawing/2014/main" id="{F11B7EBC-DC0C-7550-081F-AFCA1B6FEB28}"/>
+                <a16:creationId xmlns:a16="http://schemas.microsoft.com/office/drawing/2014/main" id="{85E0CC19-84A7-566D-5D8A-8DEBC692D02F}"/>
               </a:ext>
             </a:extLst>
           </p:cNvPr>
@@ -2801,7 +2801,7 @@
           <p:cNvPr id="3" name="文本占位符 2">
             <a:extLst>
               <a:ext uri="{FF2B5EF4-FFF2-40B4-BE49-F238E27FC236}">
-                <a16:creationId xmlns:a16="http://schemas.microsoft.com/office/drawing/2014/main" id="{7C828E16-97CB-26DA-E181-AD929DBD94A1}"/>
+                <a16:creationId xmlns:a16="http://schemas.microsoft.com/office/drawing/2014/main" id="{17C30C70-C073-FEE2-6ECA-D19639BC7791}"/>
               </a:ext>
             </a:extLst>
           </p:cNvPr>
@@ -2868,7 +2868,7 @@
           <p:cNvPr id="4" name="日期占位符 3">
             <a:extLst>
               <a:ext uri="{FF2B5EF4-FFF2-40B4-BE49-F238E27FC236}">
-                <a16:creationId xmlns:a16="http://schemas.microsoft.com/office/drawing/2014/main" id="{BA2EA589-4EFC-6320-368C-3041B3B15C97}"/>
+                <a16:creationId xmlns:a16="http://schemas.microsoft.com/office/drawing/2014/main" id="{3C0D8DEC-8DB3-A4B9-28FC-320711A965EE}"/>
               </a:ext>
             </a:extLst>
           </p:cNvPr>
@@ -2902,7 +2902,7 @@
             </a:lvl1pPr>
           </a:lstStyle>
           <a:p>
-            <a:fld id="{45E1F216-63BE-48C6-B92E-D8CC7CEA16CE}" type="datetimeFigureOut">
+            <a:fld id="{31E6F9B8-F774-4BE3-83F2-88B3B1D8DEB9}" type="datetimeFigureOut">
               <a:rPr lang="zh-CN" altLang="en-US" smtClean="0"/>
               <a:t>2024/3/10</a:t>
             </a:fld>
@@ -2915,7 +2915,7 @@
           <p:cNvPr id="5" name="页脚占位符 4">
             <a:extLst>
               <a:ext uri="{FF2B5EF4-FFF2-40B4-BE49-F238E27FC236}">
-                <a16:creationId xmlns:a16="http://schemas.microsoft.com/office/drawing/2014/main" id="{7B70A8CD-441D-A81E-D8F9-37BBCA640699}"/>
+                <a16:creationId xmlns:a16="http://schemas.microsoft.com/office/drawing/2014/main" id="{18BDFC7E-20C9-487D-0108-A1AE0FFA6DF7}"/>
               </a:ext>
             </a:extLst>
           </p:cNvPr>
@@ -2958,7 +2958,7 @@
           <p:cNvPr id="6" name="灯片编号占位符 5">
             <a:extLst>
               <a:ext uri="{FF2B5EF4-FFF2-40B4-BE49-F238E27FC236}">
-                <a16:creationId xmlns:a16="http://schemas.microsoft.com/office/drawing/2014/main" id="{58446805-ED07-50B0-18C9-E7B32605037C}"/>
+                <a16:creationId xmlns:a16="http://schemas.microsoft.com/office/drawing/2014/main" id="{0455D18C-3FB7-AEAC-6ED5-9FD4D32421CE}"/>
               </a:ext>
             </a:extLst>
           </p:cNvPr>
@@ -2992,7 +2992,7 @@
             </a:lvl1pPr>
           </a:lstStyle>
           <a:p>
-            <a:fld id="{8EEEBD2C-6BC5-4303-84E7-BF580BF894B5}" type="slidenum">
+            <a:fld id="{C984B072-DC40-40C8-A81B-A4B29CE3F93E}" type="slidenum">
               <a:rPr lang="zh-CN" altLang="en-US" smtClean="0"/>
               <a:t>‹#›</a:t>
             </a:fld>
@@ -3003,7 +3003,7 @@
     </p:spTree>
     <p:extLst>
       <p:ext uri="{BB962C8B-B14F-4D97-AF65-F5344CB8AC3E}">
-        <p14:creationId xmlns:p14="http://schemas.microsoft.com/office/powerpoint/2010/main" val="3871760360"/>
+        <p14:creationId xmlns:p14="http://schemas.microsoft.com/office/powerpoint/2010/main" val="2350441961"/>
       </p:ext>
     </p:extLst>
   </p:cSld>
